--- a/backend/output_presentation.pptx
+++ b/backend/output_presentation.pptx
@@ -6,6 +6,10 @@
   </p:sldMasterIdLst>
   <p:sldIdLst>
     <p:sldId id="256" r:id="rId7"/>
+    <p:sldId id="257" r:id="rId8"/>
+    <p:sldId id="258" r:id="rId9"/>
+    <p:sldId id="259" r:id="rId10"/>
+    <p:sldId id="260" r:id="rId11"/>
   </p:sldIdLst>
   <p:sldSz cx="9144000" cy="6858000" type="screen4x3"/>
   <p:notesSz cx="6858000" cy="9144000"/>
@@ -3104,7 +3108,65 @@
           <a:lstStyle/>
           <a:p>
             <a:r>
-              <a:t>New Mexico</a:t>
+              <a:t>New Mexico Events</a:t>
+            </a:r>
+          </a:p>
+        </p:txBody>
+      </p:sp>
+      <p:sp>
+        <p:nvSpPr>
+          <p:cNvPr id="3" name="Content Placeholder 2"/>
+          <p:cNvSpPr>
+            <a:spLocks noGrp="1"/>
+          </p:cNvSpPr>
+          <p:nvPr>
+            <p:ph idx="1"/>
+          </p:nvPr>
+        </p:nvSpPr>
+        <p:spPr/>
+        <p:txBody>
+          <a:bodyPr/>
+          <a:lstStyle/>
+          <a:p>
+            <a:pPr algn="l"/>
+          </a:p>
+        </p:txBody>
+      </p:sp>
+    </p:spTree>
+  </p:cSld>
+  <p:clrMapOvr>
+    <a:masterClrMapping/>
+  </p:clrMapOvr>
+</p:sld>
+</file>
+
+<file path=ppt/slides/slide2.xml><?xml version="1.0" encoding="utf-8"?>
+<p:sld xmlns:a="http://schemas.openxmlformats.org/drawingml/2006/main" xmlns:p="http://schemas.openxmlformats.org/presentationml/2006/main" xmlns:r="http://schemas.openxmlformats.org/officeDocument/2006/relationships">
+  <p:cSld>
+    <p:spTree>
+      <p:nvGrpSpPr>
+        <p:cNvPr id="1" name=""/>
+        <p:cNvGrpSpPr/>
+        <p:nvPr/>
+      </p:nvGrpSpPr>
+      <p:grpSpPr/>
+      <p:sp>
+        <p:nvSpPr>
+          <p:cNvPr id="2" name="Title 1"/>
+          <p:cNvSpPr>
+            <a:spLocks noGrp="1"/>
+          </p:cNvSpPr>
+          <p:nvPr>
+            <p:ph type="title"/>
+          </p:nvPr>
+        </p:nvSpPr>
+        <p:spPr/>
+        <p:txBody>
+          <a:bodyPr/>
+          <a:lstStyle/>
+          <a:p>
+            <a:r>
+              <a:t>International Balloon Fiesta</a:t>
             </a:r>
           </a:p>
         </p:txBody>
@@ -3134,8 +3196,66 @@
               <a:defRPr sz="2400"/>
             </a:pPr>
             <a:r>
-              <a:t>Located in the Southwestern region of the United States</a:t>
-            </a:r>
+              <a:t>The Albuquerque International Balloon Fiesta is a annual festival that takes place in Albuquerque, New Mexico, USA. It is a 9-day event that usually starts on the first Saturday of October and features hot air balloons from all over the world.</a:t>
+            </a:r>
+          </a:p>
+        </p:txBody>
+      </p:sp>
+    </p:spTree>
+  </p:cSld>
+  <p:clrMapOvr>
+    <a:masterClrMapping/>
+  </p:clrMapOvr>
+</p:sld>
+</file>
+
+<file path=ppt/slides/slide3.xml><?xml version="1.0" encoding="utf-8"?>
+<p:sld xmlns:a="http://schemas.openxmlformats.org/drawingml/2006/main" xmlns:p="http://schemas.openxmlformats.org/presentationml/2006/main" xmlns:r="http://schemas.openxmlformats.org/officeDocument/2006/relationships">
+  <p:cSld>
+    <p:spTree>
+      <p:nvGrpSpPr>
+        <p:cNvPr id="1" name=""/>
+        <p:cNvGrpSpPr/>
+        <p:nvPr/>
+      </p:nvGrpSpPr>
+      <p:grpSpPr/>
+      <p:sp>
+        <p:nvSpPr>
+          <p:cNvPr id="2" name="Title 1"/>
+          <p:cNvSpPr>
+            <a:spLocks noGrp="1"/>
+          </p:cNvSpPr>
+          <p:nvPr>
+            <p:ph type="title"/>
+          </p:nvPr>
+        </p:nvSpPr>
+        <p:spPr/>
+        <p:txBody>
+          <a:bodyPr/>
+          <a:lstStyle/>
+          <a:p>
+            <a:r>
+              <a:t>New Mexico State Fair</a:t>
+            </a:r>
+          </a:p>
+        </p:txBody>
+      </p:sp>
+      <p:sp>
+        <p:nvSpPr>
+          <p:cNvPr id="3" name="Content Placeholder 2"/>
+          <p:cNvSpPr>
+            <a:spLocks noGrp="1"/>
+          </p:cNvSpPr>
+          <p:nvPr>
+            <p:ph idx="1"/>
+          </p:nvPr>
+        </p:nvSpPr>
+        <p:spPr/>
+        <p:txBody>
+          <a:bodyPr/>
+          <a:lstStyle/>
+          <a:p>
+            <a:pPr algn="l"/>
           </a:p>
           <a:p>
             <a:pPr algn="l">
@@ -3145,8 +3265,66 @@
               <a:defRPr sz="2400"/>
             </a:pPr>
             <a:r>
-              <a:t>Known for its diverse culture and landscapes</a:t>
-            </a:r>
+              <a:t>The New Mexico State Fair is an annual state fair held in Albuquerque, New Mexico. It usually takes place in September and features live music, rides, food, and exhibits.</a:t>
+            </a:r>
+          </a:p>
+        </p:txBody>
+      </p:sp>
+    </p:spTree>
+  </p:cSld>
+  <p:clrMapOvr>
+    <a:masterClrMapping/>
+  </p:clrMapOvr>
+</p:sld>
+</file>
+
+<file path=ppt/slides/slide4.xml><?xml version="1.0" encoding="utf-8"?>
+<p:sld xmlns:a="http://schemas.openxmlformats.org/drawingml/2006/main" xmlns:p="http://schemas.openxmlformats.org/presentationml/2006/main" xmlns:r="http://schemas.openxmlformats.org/officeDocument/2006/relationships">
+  <p:cSld>
+    <p:spTree>
+      <p:nvGrpSpPr>
+        <p:cNvPr id="1" name=""/>
+        <p:cNvGrpSpPr/>
+        <p:nvPr/>
+      </p:nvGrpSpPr>
+      <p:grpSpPr/>
+      <p:sp>
+        <p:nvSpPr>
+          <p:cNvPr id="2" name="Title 1"/>
+          <p:cNvSpPr>
+            <a:spLocks noGrp="1"/>
+          </p:cNvSpPr>
+          <p:nvPr>
+            <p:ph type="title"/>
+          </p:nvPr>
+        </p:nvSpPr>
+        <p:spPr/>
+        <p:txBody>
+          <a:bodyPr/>
+          <a:lstStyle/>
+          <a:p>
+            <a:r>
+              <a:t>Santa Fe International Folk Art Market</a:t>
+            </a:r>
+          </a:p>
+        </p:txBody>
+      </p:sp>
+      <p:sp>
+        <p:nvSpPr>
+          <p:cNvPr id="3" name="Content Placeholder 2"/>
+          <p:cNvSpPr>
+            <a:spLocks noGrp="1"/>
+          </p:cNvSpPr>
+          <p:nvPr>
+            <p:ph idx="1"/>
+          </p:nvPr>
+        </p:nvSpPr>
+        <p:spPr/>
+        <p:txBody>
+          <a:bodyPr/>
+          <a:lstStyle/>
+          <a:p>
+            <a:pPr algn="l"/>
           </a:p>
           <a:p>
             <a:pPr algn="l">
@@ -3156,8 +3334,66 @@
               <a:defRPr sz="2400"/>
             </a:pPr>
             <a:r>
-              <a:t>Capital city is Santa Fe</a:t>
-            </a:r>
+              <a:t>The Santa Fe International Folk Art Market is a annual market that takes place in Santa Fe, New Mexico. It features traditional folk art from around the world and is usually held in July.</a:t>
+            </a:r>
+          </a:p>
+        </p:txBody>
+      </p:sp>
+    </p:spTree>
+  </p:cSld>
+  <p:clrMapOvr>
+    <a:masterClrMapping/>
+  </p:clrMapOvr>
+</p:sld>
+</file>
+
+<file path=ppt/slides/slide5.xml><?xml version="1.0" encoding="utf-8"?>
+<p:sld xmlns:a="http://schemas.openxmlformats.org/drawingml/2006/main" xmlns:p="http://schemas.openxmlformats.org/presentationml/2006/main" xmlns:r="http://schemas.openxmlformats.org/officeDocument/2006/relationships">
+  <p:cSld>
+    <p:spTree>
+      <p:nvGrpSpPr>
+        <p:cNvPr id="1" name=""/>
+        <p:cNvGrpSpPr/>
+        <p:nvPr/>
+      </p:nvGrpSpPr>
+      <p:grpSpPr/>
+      <p:sp>
+        <p:nvSpPr>
+          <p:cNvPr id="2" name="Title 1"/>
+          <p:cNvSpPr>
+            <a:spLocks noGrp="1"/>
+          </p:cNvSpPr>
+          <p:nvPr>
+            <p:ph type="title"/>
+          </p:nvPr>
+        </p:nvSpPr>
+        <p:spPr/>
+        <p:txBody>
+          <a:bodyPr/>
+          <a:lstStyle/>
+          <a:p>
+            <a:r>
+              <a:t>Taos Solar Music Festival</a:t>
+            </a:r>
+          </a:p>
+        </p:txBody>
+      </p:sp>
+      <p:sp>
+        <p:nvSpPr>
+          <p:cNvPr id="3" name="Content Placeholder 2"/>
+          <p:cNvSpPr>
+            <a:spLocks noGrp="1"/>
+          </p:cNvSpPr>
+          <p:nvPr>
+            <p:ph idx="1"/>
+          </p:nvPr>
+        </p:nvSpPr>
+        <p:spPr/>
+        <p:txBody>
+          <a:bodyPr/>
+          <a:lstStyle/>
+          <a:p>
+            <a:pPr algn="l"/>
           </a:p>
           <a:p>
             <a:pPr algn="l">
@@ -3167,18 +3403,7 @@
               <a:defRPr sz="2400"/>
             </a:pPr>
             <a:r>
-              <a:t>Famous for its cuisine, art, and historic sites</a:t>
-            </a:r>
-          </a:p>
-          <a:p>
-            <a:pPr algn="l">
-              <a:spcAft>
-                <a:spcPts val="600"/>
-              </a:spcAft>
-              <a:defRPr sz="2400"/>
-            </a:pPr>
-            <a:r>
-              <a:t>Additional content paragraph</a:t>
+              <a:t>The Taos Solar Music Festival is a annual music festival held in Taos, New Mexico. It features music performances, food, and drinks, and is usually held in June.</a:t>
             </a:r>
           </a:p>
         </p:txBody>

--- a/backend/output_presentation.pptx
+++ b/backend/output_presentation.pptx
@@ -9,7 +9,6 @@
     <p:sldId id="257" r:id="rId8"/>
     <p:sldId id="258" r:id="rId9"/>
     <p:sldId id="259" r:id="rId10"/>
-    <p:sldId id="260" r:id="rId11"/>
   </p:sldIdLst>
   <p:sldSz cx="9144000" cy="6858000" type="screen4x3"/>
   <p:notesSz cx="6858000" cy="9144000"/>
@@ -3108,7 +3107,7 @@
           <a:lstStyle/>
           <a:p>
             <a:r>
-              <a:t>New Mexico Events</a:t>
+              <a:t>Order Status Update</a:t>
             </a:r>
           </a:p>
         </p:txBody>
@@ -3166,7 +3165,7 @@
           <a:lstStyle/>
           <a:p>
             <a:r>
-              <a:t>International Balloon Fiesta</a:t>
+              <a:t>ORD001 - submitted (3 items)</a:t>
             </a:r>
           </a:p>
         </p:txBody>
@@ -3187,17 +3186,6 @@
           <a:lstStyle/>
           <a:p>
             <a:pPr algn="l"/>
-          </a:p>
-          <a:p>
-            <a:pPr algn="l">
-              <a:spcAft>
-                <a:spcPts val="600"/>
-              </a:spcAft>
-              <a:defRPr sz="2400"/>
-            </a:pPr>
-            <a:r>
-              <a:t>The Albuquerque International Balloon Fiesta is a annual festival that takes place in Albuquerque, New Mexico, USA. It is a 9-day event that usually starts on the first Saturday of October and features hot air balloons from all over the world.</a:t>
-            </a:r>
           </a:p>
         </p:txBody>
       </p:sp>
@@ -3235,7 +3223,7 @@
           <a:lstStyle/>
           <a:p>
             <a:r>
-              <a:t>New Mexico State Fair</a:t>
+              <a:t>ORD002 - items-packaged (3 items)</a:t>
             </a:r>
           </a:p>
         </p:txBody>
@@ -3256,17 +3244,6 @@
           <a:lstStyle/>
           <a:p>
             <a:pPr algn="l"/>
-          </a:p>
-          <a:p>
-            <a:pPr algn="l">
-              <a:spcAft>
-                <a:spcPts val="600"/>
-              </a:spcAft>
-              <a:defRPr sz="2400"/>
-            </a:pPr>
-            <a:r>
-              <a:t>The New Mexico State Fair is an annual state fair held in Albuquerque, New Mexico. It usually takes place in September and features live music, rides, food, and exhibits.</a:t>
-            </a:r>
           </a:p>
         </p:txBody>
       </p:sp>
@@ -3304,7 +3281,7 @@
           <a:lstStyle/>
           <a:p>
             <a:r>
-              <a:t>Santa Fe International Folk Art Market</a:t>
+              <a:t>ORD003 - items-shipped (2 items)</a:t>
             </a:r>
           </a:p>
         </p:txBody>
@@ -3325,86 +3302,6 @@
           <a:lstStyle/>
           <a:p>
             <a:pPr algn="l"/>
-          </a:p>
-          <a:p>
-            <a:pPr algn="l">
-              <a:spcAft>
-                <a:spcPts val="600"/>
-              </a:spcAft>
-              <a:defRPr sz="2400"/>
-            </a:pPr>
-            <a:r>
-              <a:t>The Santa Fe International Folk Art Market is a annual market that takes place in Santa Fe, New Mexico. It features traditional folk art from around the world and is usually held in July.</a:t>
-            </a:r>
-          </a:p>
-        </p:txBody>
-      </p:sp>
-    </p:spTree>
-  </p:cSld>
-  <p:clrMapOvr>
-    <a:masterClrMapping/>
-  </p:clrMapOvr>
-</p:sld>
-</file>
-
-<file path=ppt/slides/slide5.xml><?xml version="1.0" encoding="utf-8"?>
-<p:sld xmlns:a="http://schemas.openxmlformats.org/drawingml/2006/main" xmlns:p="http://schemas.openxmlformats.org/presentationml/2006/main" xmlns:r="http://schemas.openxmlformats.org/officeDocument/2006/relationships">
-  <p:cSld>
-    <p:spTree>
-      <p:nvGrpSpPr>
-        <p:cNvPr id="1" name=""/>
-        <p:cNvGrpSpPr/>
-        <p:nvPr/>
-      </p:nvGrpSpPr>
-      <p:grpSpPr/>
-      <p:sp>
-        <p:nvSpPr>
-          <p:cNvPr id="2" name="Title 1"/>
-          <p:cNvSpPr>
-            <a:spLocks noGrp="1"/>
-          </p:cNvSpPr>
-          <p:nvPr>
-            <p:ph type="title"/>
-          </p:nvPr>
-        </p:nvSpPr>
-        <p:spPr/>
-        <p:txBody>
-          <a:bodyPr/>
-          <a:lstStyle/>
-          <a:p>
-            <a:r>
-              <a:t>Taos Solar Music Festival</a:t>
-            </a:r>
-          </a:p>
-        </p:txBody>
-      </p:sp>
-      <p:sp>
-        <p:nvSpPr>
-          <p:cNvPr id="3" name="Content Placeholder 2"/>
-          <p:cNvSpPr>
-            <a:spLocks noGrp="1"/>
-          </p:cNvSpPr>
-          <p:nvPr>
-            <p:ph idx="1"/>
-          </p:nvPr>
-        </p:nvSpPr>
-        <p:spPr/>
-        <p:txBody>
-          <a:bodyPr/>
-          <a:lstStyle/>
-          <a:p>
-            <a:pPr algn="l"/>
-          </a:p>
-          <a:p>
-            <a:pPr algn="l">
-              <a:spcAft>
-                <a:spcPts val="600"/>
-              </a:spcAft>
-              <a:defRPr sz="2400"/>
-            </a:pPr>
-            <a:r>
-              <a:t>The Taos Solar Music Festival is a annual music festival held in Taos, New Mexico. It features music performances, food, and drinks, and is usually held in June.</a:t>
-            </a:r>
           </a:p>
         </p:txBody>
       </p:sp>
